--- a/DocSources/images/overview-br.pptx
+++ b/DocSources/images/overview-br.pptx
@@ -12814,9 +12814,7 @@
                   <a:schemeClr val="accent5"/>
                 </a:solidFill>
                 <a:ln w="9525">
-                  <a:solidFill>
-                    <a:schemeClr val="tx1"/>
-                  </a:solidFill>
+                  <a:noFill/>
                   <a:headEnd type="none" w="med" len="med"/>
                   <a:tailEnd type="none" w="med" len="med"/>
                 </a:ln>
@@ -13058,9 +13056,7 @@
                   <a:srgbClr val="FBE2E1"/>
                 </a:solidFill>
                 <a:ln w="19050">
-                  <a:solidFill>
-                    <a:schemeClr val="tx1"/>
-                  </a:solidFill>
+                  <a:noFill/>
                   <a:prstDash val="solid"/>
                   <a:headEnd type="none" w="med" len="med"/>
                   <a:tailEnd type="none" w="med" len="med"/>
@@ -13170,7 +13166,7 @@
                 </a:prstGeom>
                 <a:ln w="9525">
                   <a:solidFill>
-                    <a:schemeClr val="tx1"/>
+                    <a:schemeClr val="bg1"/>
                   </a:solidFill>
                   <a:headEnd type="none" w="med" len="med"/>
                   <a:tailEnd type="none" w="med" len="med"/>
@@ -13252,7 +13248,7 @@
                 </a:solidFill>
                 <a:ln w="9525">
                   <a:solidFill>
-                    <a:schemeClr val="tx1"/>
+                    <a:schemeClr val="bg1"/>
                   </a:solidFill>
                   <a:headEnd type="none" w="med" len="med"/>
                   <a:tailEnd type="none" w="med" len="med"/>
@@ -13334,7 +13330,7 @@
                 </a:solidFill>
                 <a:ln w="9525">
                   <a:solidFill>
-                    <a:schemeClr val="tx1"/>
+                    <a:schemeClr val="bg1"/>
                   </a:solidFill>
                   <a:headEnd type="none" w="med" len="med"/>
                   <a:tailEnd type="none" w="med" len="med"/>
@@ -13416,7 +13412,7 @@
                 </a:solidFill>
                 <a:ln w="9525">
                   <a:solidFill>
-                    <a:schemeClr val="tx1"/>
+                    <a:schemeClr val="bg1"/>
                   </a:solidFill>
                   <a:headEnd type="none" w="med" len="med"/>
                   <a:tailEnd type="none" w="med" len="med"/>
@@ -13505,7 +13501,7 @@
                 </a:solidFill>
                 <a:ln w="9525">
                   <a:solidFill>
-                    <a:schemeClr val="tx1"/>
+                    <a:schemeClr val="bg1"/>
                   </a:solidFill>
                   <a:headEnd type="none" w="med" len="med"/>
                   <a:tailEnd type="none" w="med" len="med"/>
@@ -13587,7 +13583,7 @@
                 </a:solidFill>
                 <a:ln w="9525">
                   <a:solidFill>
-                    <a:schemeClr val="tx1"/>
+                    <a:schemeClr val="bg1"/>
                   </a:solidFill>
                   <a:headEnd type="none" w="med" len="med"/>
                   <a:tailEnd type="none" w="med" len="med"/>
@@ -13669,7 +13665,7 @@
                 </a:solidFill>
                 <a:ln w="9525">
                   <a:solidFill>
-                    <a:schemeClr val="tx1"/>
+                    <a:schemeClr val="bg1"/>
                   </a:solidFill>
                   <a:headEnd type="none" w="med" len="med"/>
                   <a:tailEnd type="none" w="med" len="med"/>
@@ -13748,7 +13744,7 @@
                 </a:prstGeom>
                 <a:ln w="9525">
                   <a:solidFill>
-                    <a:schemeClr val="tx1"/>
+                    <a:schemeClr val="bg1"/>
                   </a:solidFill>
                   <a:headEnd type="none" w="med" len="med"/>
                   <a:tailEnd type="none" w="med" len="med"/>
@@ -13830,7 +13826,7 @@
                 </a:solidFill>
                 <a:ln w="9525">
                   <a:solidFill>
-                    <a:schemeClr val="tx1"/>
+                    <a:schemeClr val="bg1"/>
                   </a:solidFill>
                   <a:headEnd type="none" w="med" len="med"/>
                   <a:tailEnd type="none" w="med" len="med"/>
@@ -13912,7 +13908,7 @@
                 </a:solidFill>
                 <a:ln w="9525">
                   <a:solidFill>
-                    <a:schemeClr val="tx1"/>
+                    <a:schemeClr val="bg1"/>
                   </a:solidFill>
                   <a:headEnd type="none" w="med" len="med"/>
                   <a:tailEnd type="none" w="med" len="med"/>
@@ -13994,7 +13990,7 @@
                 </a:solidFill>
                 <a:ln w="9525">
                   <a:solidFill>
-                    <a:schemeClr val="tx1"/>
+                    <a:schemeClr val="bg1"/>
                   </a:solidFill>
                   <a:headEnd type="none" w="med" len="med"/>
                   <a:tailEnd type="none" w="med" len="med"/>
@@ -14076,7 +14072,7 @@
                 </a:solidFill>
                 <a:ln w="9525">
                   <a:solidFill>
-                    <a:schemeClr val="tx1"/>
+                    <a:schemeClr val="bg1"/>
                   </a:solidFill>
                   <a:headEnd type="none" w="med" len="med"/>
                   <a:tailEnd type="none" w="med" len="med"/>
@@ -14158,7 +14154,7 @@
                 </a:solidFill>
                 <a:ln w="9525">
                   <a:solidFill>
-                    <a:schemeClr val="tx1"/>
+                    <a:schemeClr val="bg1"/>
                   </a:solidFill>
                   <a:headEnd type="none" w="med" len="med"/>
                   <a:tailEnd type="none" w="med" len="med"/>
@@ -14237,7 +14233,7 @@
                 </a:prstGeom>
                 <a:ln w="9525">
                   <a:solidFill>
-                    <a:schemeClr val="tx1"/>
+                    <a:schemeClr val="bg1"/>
                   </a:solidFill>
                   <a:headEnd type="none" w="med" len="med"/>
                   <a:tailEnd type="none" w="med" len="med"/>
@@ -14316,7 +14312,7 @@
                 </a:prstGeom>
                 <a:ln w="9525">
                   <a:solidFill>
-                    <a:schemeClr val="tx1"/>
+                    <a:schemeClr val="bg1"/>
                   </a:solidFill>
                   <a:headEnd type="none" w="med" len="med"/>
                   <a:tailEnd type="none" w="med" len="med"/>
@@ -14395,7 +14391,7 @@
                 </a:prstGeom>
                 <a:ln w="9525">
                   <a:solidFill>
-                    <a:schemeClr val="tx1"/>
+                    <a:schemeClr val="bg1"/>
                   </a:solidFill>
                   <a:headEnd type="none" w="med" len="med"/>
                   <a:tailEnd type="none" w="med" len="med"/>
@@ -14506,7 +14502,7 @@
             </a:prstGeom>
             <a:ln w="9525">
               <a:solidFill>
-                <a:schemeClr val="tx1"/>
+                <a:schemeClr val="bg1"/>
               </a:solidFill>
               <a:headEnd type="none" w="med" len="med"/>
               <a:tailEnd type="none" w="med" len="med"/>
@@ -14585,7 +14581,7 @@
             </a:prstGeom>
             <a:ln w="9525">
               <a:solidFill>
-                <a:schemeClr val="tx1"/>
+                <a:schemeClr val="bg1"/>
               </a:solidFill>
               <a:headEnd type="none" w="med" len="med"/>
               <a:tailEnd type="none" w="med" len="med"/>
@@ -14664,7 +14660,7 @@
             </a:prstGeom>
             <a:ln w="9525">
               <a:solidFill>
-                <a:schemeClr val="tx1"/>
+                <a:schemeClr val="bg1"/>
               </a:solidFill>
               <a:headEnd type="none" w="med" len="med"/>
               <a:tailEnd type="none" w="med" len="med"/>
@@ -15289,7 +15285,7 @@
                 <p:spPr bwMode="auto">
                   <a:xfrm>
                     <a:off x="2411069" y="1913384"/>
-                    <a:ext cx="1030669" cy="12700"/>
+                    <a:ext cx="1080120" cy="12700"/>
                   </a:xfrm>
                   <a:prstGeom prst="curvedConnector3">
                     <a:avLst>
@@ -16362,8 +16358,8 @@
             </p:nvSpPr>
             <p:spPr>
               <a:xfrm>
-                <a:off x="5564501" y="2276872"/>
-                <a:ext cx="953483" cy="233397"/>
+                <a:off x="5541265" y="2276872"/>
+                <a:ext cx="1040584" cy="233397"/>
               </a:xfrm>
               <a:prstGeom prst="rect">
                 <a:avLst/>
@@ -16538,8 +16534,8 @@
           </p:nvSpPr>
           <p:spPr>
             <a:xfrm>
-              <a:off x="5603746" y="2403515"/>
-              <a:ext cx="1488533" cy="233397"/>
+              <a:off x="5596128" y="2403515"/>
+              <a:ext cx="1535423" cy="233397"/>
             </a:xfrm>
             <a:prstGeom prst="rect">
               <a:avLst/>
@@ -17024,7 +17020,7 @@
                 <p:spPr bwMode="auto">
                   <a:xfrm>
                     <a:off x="2411069" y="1913384"/>
-                    <a:ext cx="1030669" cy="12700"/>
+                    <a:ext cx="1080120" cy="12700"/>
                   </a:xfrm>
                   <a:prstGeom prst="curvedConnector3">
                     <a:avLst>
@@ -18194,8 +18190,8 @@
           </p:nvSpPr>
           <p:spPr>
             <a:xfrm>
-              <a:off x="5605818" y="2384920"/>
-              <a:ext cx="1414454" cy="233397"/>
+              <a:off x="5580112" y="2384920"/>
+              <a:ext cx="1461948" cy="233397"/>
             </a:xfrm>
             <a:prstGeom prst="rect">
               <a:avLst/>

--- a/DocSources/images/overview-br.pptx
+++ b/DocSources/images/overview-br.pptx
@@ -14959,8 +14959,8 @@
                 </p:nvSpPr>
                 <p:spPr>
                   <a:xfrm>
-                    <a:off x="2840805" y="5350023"/>
-                    <a:ext cx="938416" cy="307777"/>
+                    <a:off x="2420180" y="5350023"/>
+                    <a:ext cx="1215025" cy="307777"/>
                   </a:xfrm>
                   <a:prstGeom prst="rect">
                     <a:avLst/>
@@ -14977,7 +14977,7 @@
                       <a:rPr lang="en-US" sz="1400" dirty="0" smtClean="0">
                         <a:latin typeface="Fujitsu Sans" panose="020B0404060202020204" pitchFamily="34" charset="0"/>
                       </a:rPr>
-                      <a:t>Monitors VM </a:t>
+                      <a:t>Monitors  </a:t>
                     </a:r>
                     <a:endParaRPr lang="en-US" sz="1400" dirty="0">
                       <a:latin typeface="Fujitsu Sans" panose="020B0404060202020204" pitchFamily="34" charset="0"/>
@@ -16466,8 +16466,8 @@
           </p:nvSpPr>
           <p:spPr>
             <a:xfrm>
-              <a:off x="2715769" y="5497487"/>
-              <a:ext cx="920128" cy="307777"/>
+              <a:off x="2440884" y="5497487"/>
+              <a:ext cx="1267020" cy="307777"/>
             </a:xfrm>
             <a:prstGeom prst="rect">
               <a:avLst/>
@@ -16484,7 +16484,7 @@
                 <a:rPr lang="en-US" sz="1400" dirty="0" smtClean="0">
                   <a:latin typeface="Fujitsu Sans" panose="020B0404060202020204" pitchFamily="34" charset="0"/>
                 </a:rPr>
-                <a:t>for Service A </a:t>
+                <a:t>Service A and B </a:t>
               </a:r>
               <a:endParaRPr lang="en-US" sz="1400" dirty="0">
                 <a:latin typeface="Fujitsu Sans" panose="020B0404060202020204" pitchFamily="34" charset="0"/>
@@ -16534,8 +16534,8 @@
           </p:nvSpPr>
           <p:spPr>
             <a:xfrm>
-              <a:off x="5596128" y="2403515"/>
-              <a:ext cx="1535423" cy="233397"/>
+              <a:off x="5580112" y="2403515"/>
+              <a:ext cx="1551439" cy="233397"/>
             </a:xfrm>
             <a:prstGeom prst="rect">
               <a:avLst/>
